--- a/Fitness Guide new.pptx
+++ b/Fitness Guide new.pptx
@@ -106,6 +106,11 @@
       </a:defRPr>
     </a:lvl9pPr>
   </p:defaultTextStyle>
+  <p:extLst>
+    <p:ext uri="{EFAFB233-063F-42B5-8137-9DF3F51BA10A}">
+      <p15:sldGuideLst xmlns:p15="http://schemas.microsoft.com/office/powerpoint/2012/main"/>
+    </p:ext>
+  </p:extLst>
 </p:presentation>
 </file>
 
@@ -1321,7 +1326,7 @@
             <a:fld id="{9334D819-9F07-4261-B09B-9E467E5D9002}" type="datetimeFigureOut">
               <a:rPr lang="en-US" dirty="0"/>
               <a:pPr/>
-              <a:t>1/7/2021</a:t>
+              <a:t>1/21/2021</a:t>
             </a:fld>
             <a:endParaRPr lang="en-US" dirty="0"/>
           </a:p>
@@ -1555,7 +1560,7 @@
           <a:p>
             <a:fld id="{9334D819-9F07-4261-B09B-9E467E5D9002}" type="datetimeFigureOut">
               <a:rPr lang="en-US" dirty="0"/>
-              <a:t>1/7/2021</a:t>
+              <a:t>1/21/2021</a:t>
             </a:fld>
             <a:endParaRPr lang="en-US" dirty="0"/>
           </a:p>
@@ -1730,7 +1735,7 @@
           <a:p>
             <a:fld id="{9334D819-9F07-4261-B09B-9E467E5D9002}" type="datetimeFigureOut">
               <a:rPr lang="en-US" dirty="0"/>
-              <a:t>1/7/2021</a:t>
+              <a:t>1/21/2021</a:t>
             </a:fld>
             <a:endParaRPr lang="en-US" dirty="0"/>
           </a:p>
@@ -1895,7 +1900,7 @@
           <a:p>
             <a:fld id="{9334D819-9F07-4261-B09B-9E467E5D9002}" type="datetimeFigureOut">
               <a:rPr lang="en-US" dirty="0"/>
-              <a:t>1/7/2021</a:t>
+              <a:t>1/21/2021</a:t>
             </a:fld>
             <a:endParaRPr lang="en-US" dirty="0"/>
           </a:p>
@@ -2167,7 +2172,7 @@
             <a:fld id="{9334D819-9F07-4261-B09B-9E467E5D9002}" type="datetimeFigureOut">
               <a:rPr lang="en-US" dirty="0"/>
               <a:pPr/>
-              <a:t>1/7/2021</a:t>
+              <a:t>1/21/2021</a:t>
             </a:fld>
             <a:endParaRPr lang="en-US" dirty="0"/>
           </a:p>
@@ -3364,7 +3369,7 @@
           <a:p>
             <a:fld id="{9334D819-9F07-4261-B09B-9E467E5D9002}" type="datetimeFigureOut">
               <a:rPr lang="en-US" dirty="0"/>
-              <a:t>1/7/2021</a:t>
+              <a:t>1/21/2021</a:t>
             </a:fld>
             <a:endParaRPr lang="en-US" dirty="0"/>
           </a:p>
@@ -3749,7 +3754,7 @@
           <a:p>
             <a:fld id="{9334D819-9F07-4261-B09B-9E467E5D9002}" type="datetimeFigureOut">
               <a:rPr lang="en-US" dirty="0"/>
-              <a:t>1/7/2021</a:t>
+              <a:t>1/21/2021</a:t>
             </a:fld>
             <a:endParaRPr lang="en-US" dirty="0"/>
           </a:p>
@@ -3867,7 +3872,7 @@
           <a:p>
             <a:fld id="{9334D819-9F07-4261-B09B-9E467E5D9002}" type="datetimeFigureOut">
               <a:rPr lang="en-US" dirty="0"/>
-              <a:t>1/7/2021</a:t>
+              <a:t>1/21/2021</a:t>
             </a:fld>
             <a:endParaRPr lang="en-US" dirty="0"/>
           </a:p>
@@ -3957,7 +3962,7 @@
           <a:p>
             <a:fld id="{9334D819-9F07-4261-B09B-9E467E5D9002}" type="datetimeFigureOut">
               <a:rPr lang="en-US" dirty="0"/>
-              <a:t>1/7/2021</a:t>
+              <a:t>1/21/2021</a:t>
             </a:fld>
             <a:endParaRPr lang="en-US" dirty="0"/>
           </a:p>
@@ -4715,7 +4720,7 @@
           <a:p>
             <a:fld id="{9334D819-9F07-4261-B09B-9E467E5D9002}" type="datetimeFigureOut">
               <a:rPr lang="en-US" dirty="0"/>
-              <a:t>1/7/2021</a:t>
+              <a:t>1/21/2021</a:t>
             </a:fld>
             <a:endParaRPr lang="en-US" dirty="0"/>
           </a:p>
@@ -5550,7 +5555,7 @@
           <a:p>
             <a:fld id="{9334D819-9F07-4261-B09B-9E467E5D9002}" type="datetimeFigureOut">
               <a:rPr lang="en-US" dirty="0"/>
-              <a:t>1/7/2021</a:t>
+              <a:t>1/21/2021</a:t>
             </a:fld>
             <a:endParaRPr lang="en-US" dirty="0"/>
           </a:p>
@@ -5773,7 +5778,7 @@
             <a:fld id="{9334D819-9F07-4261-B09B-9E467E5D9002}" type="datetimeFigureOut">
               <a:rPr lang="en-US" dirty="0"/>
               <a:pPr/>
-              <a:t>1/7/2021</a:t>
+              <a:t>1/21/2021</a:t>
             </a:fld>
             <a:endParaRPr lang="en-US" dirty="0"/>
           </a:p>
@@ -6988,11 +6993,15 @@
             </a:br>
             <a:r>
               <a:rPr lang="en-IN" dirty="0" smtClean="0"/>
-              <a:t>1.BMI Calculator 2.workouts and programs 3.step count feature 4.diet feature </a:t>
+              <a:t>1.BMI Calculator 2.workouts and programs </a:t>
             </a:r>
             <a:r>
-              <a:rPr lang="en-IN" smtClean="0"/>
-              <a:t>5.about 6.store (optional)</a:t>
+              <a:rPr lang="en-IN" dirty="0" smtClean="0"/>
+              <a:t>3.events 4.diet </a:t>
+            </a:r>
+            <a:r>
+              <a:rPr lang="en-IN" dirty="0" smtClean="0"/>
+              <a:t>feature 5.about 6.store (optional)</a:t>
             </a:r>
             <a:endParaRPr lang="en-IN" dirty="0"/>
           </a:p>
